--- a/Choked_eelgrass_sites.pptx
+++ b/Choked_eelgrass_sites.pptx
@@ -5,10 +5,11 @@
     <p:sldMasterId id="2147483648" r:id="rId1"/>
   </p:sldMasterIdLst>
   <p:notesMasterIdLst>
-    <p:notesMasterId r:id="rId3"/>
+    <p:notesMasterId r:id="rId4"/>
   </p:notesMasterIdLst>
   <p:sldIdLst>
     <p:sldId id="256" r:id="rId2"/>
+    <p:sldId id="257" r:id="rId3"/>
   </p:sldIdLst>
   <p:sldSz cx="9144000" cy="6858000" type="screen4x3"/>
   <p:notesSz cx="6858000" cy="9144000"/>
@@ -192,7 +193,7 @@
           <a:p>
             <a:fld id="{0D58A789-57E3-724D-BE6E-CCEDAFDFF87B}" type="datetimeFigureOut">
               <a:rPr lang="en-US" smtClean="0"/>
-              <a:t>6/28/17</a:t>
+              <a:t>8/8/17</a:t>
             </a:fld>
             <a:endParaRPr lang="en-US"/>
           </a:p>
@@ -544,6 +545,90 @@
 </p:notes>
 </file>
 
+<file path=ppt/notesSlides/notesSlide2.xml><?xml version="1.0" encoding="utf-8"?>
+<p:notes xmlns:a="http://schemas.openxmlformats.org/drawingml/2006/main" xmlns:r="http://schemas.openxmlformats.org/officeDocument/2006/relationships" xmlns:p="http://schemas.openxmlformats.org/presentationml/2006/main">
+  <p:cSld>
+    <p:spTree>
+      <p:nvGrpSpPr>
+        <p:cNvPr id="1" name=""/>
+        <p:cNvGrpSpPr/>
+        <p:nvPr/>
+      </p:nvGrpSpPr>
+      <p:grpSpPr>
+        <a:xfrm>
+          <a:off x="0" y="0"/>
+          <a:ext cx="0" cy="0"/>
+          <a:chOff x="0" y="0"/>
+          <a:chExt cx="0" cy="0"/>
+        </a:xfrm>
+      </p:grpSpPr>
+      <p:sp>
+        <p:nvSpPr>
+          <p:cNvPr id="2" name="Slide Image Placeholder 1"/>
+          <p:cNvSpPr>
+            <a:spLocks noGrp="1" noRot="1" noChangeAspect="1"/>
+          </p:cNvSpPr>
+          <p:nvPr>
+            <p:ph type="sldImg"/>
+          </p:nvPr>
+        </p:nvSpPr>
+        <p:spPr/>
+      </p:sp>
+      <p:sp>
+        <p:nvSpPr>
+          <p:cNvPr id="3" name="Notes Placeholder 2"/>
+          <p:cNvSpPr>
+            <a:spLocks noGrp="1"/>
+          </p:cNvSpPr>
+          <p:nvPr>
+            <p:ph type="body" idx="1"/>
+          </p:nvPr>
+        </p:nvSpPr>
+        <p:spPr/>
+        <p:txBody>
+          <a:bodyPr/>
+          <a:lstStyle/>
+          <a:p>
+            <a:endParaRPr lang="en-US" dirty="0"/>
+          </a:p>
+        </p:txBody>
+      </p:sp>
+      <p:sp>
+        <p:nvSpPr>
+          <p:cNvPr id="4" name="Slide Number Placeholder 3"/>
+          <p:cNvSpPr>
+            <a:spLocks noGrp="1"/>
+          </p:cNvSpPr>
+          <p:nvPr>
+            <p:ph type="sldNum" sz="quarter" idx="10"/>
+          </p:nvPr>
+        </p:nvSpPr>
+        <p:spPr/>
+        <p:txBody>
+          <a:bodyPr/>
+          <a:lstStyle/>
+          <a:p>
+            <a:fld id="{D477C3BF-E047-D547-95B7-FB849DB5A252}" type="slidenum">
+              <a:rPr lang="en-US" smtClean="0"/>
+              <a:t>2</a:t>
+            </a:fld>
+            <a:endParaRPr lang="en-US"/>
+          </a:p>
+        </p:txBody>
+      </p:sp>
+    </p:spTree>
+    <p:extLst>
+      <p:ext uri="{BB962C8B-B14F-4D97-AF65-F5344CB8AC3E}">
+        <p14:creationId xmlns:p14="http://schemas.microsoft.com/office/powerpoint/2010/main" val="2391442406"/>
+      </p:ext>
+    </p:extLst>
+  </p:cSld>
+  <p:clrMapOvr>
+    <a:masterClrMapping/>
+  </p:clrMapOvr>
+</p:notes>
+</file>
+
 <file path=ppt/slideLayouts/slideLayout1.xml><?xml version="1.0" encoding="utf-8"?>
 <p:sldLayout xmlns:a="http://schemas.openxmlformats.org/drawingml/2006/main" xmlns:r="http://schemas.openxmlformats.org/officeDocument/2006/relationships" xmlns:p="http://schemas.openxmlformats.org/presentationml/2006/main" type="title" preserve="1">
   <p:cSld name="Title Slide">
@@ -725,7 +810,7 @@
           <a:p>
             <a:fld id="{54B76BC9-1797-A54F-96DB-AE0C89ECDFA7}" type="datetimeFigureOut">
               <a:rPr lang="en-US" smtClean="0"/>
-              <a:t>6/28/17</a:t>
+              <a:t>8/8/17</a:t>
             </a:fld>
             <a:endParaRPr lang="en-US"/>
           </a:p>
@@ -895,7 +980,7 @@
           <a:p>
             <a:fld id="{54B76BC9-1797-A54F-96DB-AE0C89ECDFA7}" type="datetimeFigureOut">
               <a:rPr lang="en-US" smtClean="0"/>
-              <a:t>6/28/17</a:t>
+              <a:t>8/8/17</a:t>
             </a:fld>
             <a:endParaRPr lang="en-US"/>
           </a:p>
@@ -1075,7 +1160,7 @@
           <a:p>
             <a:fld id="{54B76BC9-1797-A54F-96DB-AE0C89ECDFA7}" type="datetimeFigureOut">
               <a:rPr lang="en-US" smtClean="0"/>
-              <a:t>6/28/17</a:t>
+              <a:t>8/8/17</a:t>
             </a:fld>
             <a:endParaRPr lang="en-US"/>
           </a:p>
@@ -1245,7 +1330,7 @@
           <a:p>
             <a:fld id="{54B76BC9-1797-A54F-96DB-AE0C89ECDFA7}" type="datetimeFigureOut">
               <a:rPr lang="en-US" smtClean="0"/>
-              <a:t>6/28/17</a:t>
+              <a:t>8/8/17</a:t>
             </a:fld>
             <a:endParaRPr lang="en-US"/>
           </a:p>
@@ -1491,7 +1576,7 @@
           <a:p>
             <a:fld id="{54B76BC9-1797-A54F-96DB-AE0C89ECDFA7}" type="datetimeFigureOut">
               <a:rPr lang="en-US" smtClean="0"/>
-              <a:t>6/28/17</a:t>
+              <a:t>8/8/17</a:t>
             </a:fld>
             <a:endParaRPr lang="en-US"/>
           </a:p>
@@ -1779,7 +1864,7 @@
           <a:p>
             <a:fld id="{54B76BC9-1797-A54F-96DB-AE0C89ECDFA7}" type="datetimeFigureOut">
               <a:rPr lang="en-US" smtClean="0"/>
-              <a:t>6/28/17</a:t>
+              <a:t>8/8/17</a:t>
             </a:fld>
             <a:endParaRPr lang="en-US"/>
           </a:p>
@@ -2201,7 +2286,7 @@
           <a:p>
             <a:fld id="{54B76BC9-1797-A54F-96DB-AE0C89ECDFA7}" type="datetimeFigureOut">
               <a:rPr lang="en-US" smtClean="0"/>
-              <a:t>6/28/17</a:t>
+              <a:t>8/8/17</a:t>
             </a:fld>
             <a:endParaRPr lang="en-US"/>
           </a:p>
@@ -2319,7 +2404,7 @@
           <a:p>
             <a:fld id="{54B76BC9-1797-A54F-96DB-AE0C89ECDFA7}" type="datetimeFigureOut">
               <a:rPr lang="en-US" smtClean="0"/>
-              <a:t>6/28/17</a:t>
+              <a:t>8/8/17</a:t>
             </a:fld>
             <a:endParaRPr lang="en-US"/>
           </a:p>
@@ -2414,7 +2499,7 @@
           <a:p>
             <a:fld id="{54B76BC9-1797-A54F-96DB-AE0C89ECDFA7}" type="datetimeFigureOut">
               <a:rPr lang="en-US" smtClean="0"/>
-              <a:t>6/28/17</a:t>
+              <a:t>8/8/17</a:t>
             </a:fld>
             <a:endParaRPr lang="en-US"/>
           </a:p>
@@ -2691,7 +2776,7 @@
           <a:p>
             <a:fld id="{54B76BC9-1797-A54F-96DB-AE0C89ECDFA7}" type="datetimeFigureOut">
               <a:rPr lang="en-US" smtClean="0"/>
-              <a:t>6/28/17</a:t>
+              <a:t>8/8/17</a:t>
             </a:fld>
             <a:endParaRPr lang="en-US"/>
           </a:p>
@@ -2944,7 +3029,7 @@
           <a:p>
             <a:fld id="{54B76BC9-1797-A54F-96DB-AE0C89ECDFA7}" type="datetimeFigureOut">
               <a:rPr lang="en-US" smtClean="0"/>
-              <a:t>6/28/17</a:t>
+              <a:t>8/8/17</a:t>
             </a:fld>
             <a:endParaRPr lang="en-US"/>
           </a:p>
@@ -3157,7 +3242,7 @@
           <a:p>
             <a:fld id="{54B76BC9-1797-A54F-96DB-AE0C89ECDFA7}" type="datetimeFigureOut">
               <a:rPr lang="en-US" smtClean="0"/>
-              <a:t>6/28/17</a:t>
+              <a:t>8/8/17</a:t>
             </a:fld>
             <a:endParaRPr lang="en-US"/>
           </a:p>
@@ -3983,6 +4068,539 @@
     <p:extLst>
       <p:ext uri="{BB962C8B-B14F-4D97-AF65-F5344CB8AC3E}">
         <p14:creationId xmlns:p14="http://schemas.microsoft.com/office/powerpoint/2010/main" val="3675644725"/>
+      </p:ext>
+    </p:extLst>
+  </p:cSld>
+  <p:clrMapOvr>
+    <a:masterClrMapping/>
+  </p:clrMapOvr>
+</p:sld>
+</file>
+
+<file path=ppt/slides/slide2.xml><?xml version="1.0" encoding="utf-8"?>
+<p:sld xmlns:a="http://schemas.openxmlformats.org/drawingml/2006/main" xmlns:r="http://schemas.openxmlformats.org/officeDocument/2006/relationships" xmlns:p="http://schemas.openxmlformats.org/presentationml/2006/main">
+  <p:cSld>
+    <p:spTree>
+      <p:nvGrpSpPr>
+        <p:cNvPr id="1" name=""/>
+        <p:cNvGrpSpPr/>
+        <p:nvPr/>
+      </p:nvGrpSpPr>
+      <p:grpSpPr>
+        <a:xfrm>
+          <a:off x="0" y="0"/>
+          <a:ext cx="0" cy="0"/>
+          <a:chOff x="0" y="0"/>
+          <a:chExt cx="0" cy="0"/>
+        </a:xfrm>
+      </p:grpSpPr>
+      <p:sp>
+        <p:nvSpPr>
+          <p:cNvPr id="2" name="Title 1"/>
+          <p:cNvSpPr>
+            <a:spLocks noGrp="1"/>
+          </p:cNvSpPr>
+          <p:nvPr>
+            <p:ph type="ctrTitle"/>
+          </p:nvPr>
+        </p:nvSpPr>
+        <p:spPr/>
+        <p:txBody>
+          <a:bodyPr/>
+          <a:lstStyle/>
+          <a:p>
+            <a:endParaRPr lang="en-US"/>
+          </a:p>
+        </p:txBody>
+      </p:sp>
+      <p:sp>
+        <p:nvSpPr>
+          <p:cNvPr id="3" name="Subtitle 2"/>
+          <p:cNvSpPr>
+            <a:spLocks noGrp="1"/>
+          </p:cNvSpPr>
+          <p:nvPr>
+            <p:ph type="subTitle" idx="1"/>
+          </p:nvPr>
+        </p:nvSpPr>
+        <p:spPr/>
+        <p:txBody>
+          <a:bodyPr/>
+          <a:lstStyle/>
+          <a:p>
+            <a:endParaRPr lang="en-US"/>
+          </a:p>
+        </p:txBody>
+      </p:sp>
+      <p:grpSp>
+        <p:nvGrpSpPr>
+          <p:cNvPr id="17" name="Group 16"/>
+          <p:cNvGrpSpPr/>
+          <p:nvPr/>
+        </p:nvGrpSpPr>
+        <p:grpSpPr>
+          <a:xfrm>
+            <a:off x="0" y="228600"/>
+            <a:ext cx="9144000" cy="6400800"/>
+            <a:chOff x="0" y="228600"/>
+            <a:chExt cx="9144000" cy="6400800"/>
+          </a:xfrm>
+        </p:grpSpPr>
+        <p:pic>
+          <p:nvPicPr>
+            <p:cNvPr id="4" name="Picture 3" descr="Choked_Eelgrass_V1.jpg"/>
+            <p:cNvPicPr>
+              <a:picLocks noChangeAspect="1"/>
+            </p:cNvPicPr>
+            <p:nvPr/>
+          </p:nvPicPr>
+          <p:blipFill>
+            <a:blip r:embed="rId3">
+              <a:extLst>
+                <a:ext uri="{28A0092B-C50C-407E-A947-70E740481C1C}">
+                  <a14:useLocalDpi xmlns:a14="http://schemas.microsoft.com/office/drawing/2010/main" val="0"/>
+                </a:ext>
+              </a:extLst>
+            </a:blip>
+            <a:stretch>
+              <a:fillRect/>
+            </a:stretch>
+          </p:blipFill>
+          <p:spPr>
+            <a:xfrm>
+              <a:off x="0" y="228600"/>
+              <a:ext cx="9144000" cy="6400800"/>
+            </a:xfrm>
+            <a:prstGeom prst="rect">
+              <a:avLst/>
+            </a:prstGeom>
+          </p:spPr>
+        </p:pic>
+        <p:sp>
+          <p:nvSpPr>
+            <p:cNvPr id="5" name="TextBox 4"/>
+            <p:cNvSpPr txBox="1"/>
+            <p:nvPr/>
+          </p:nvSpPr>
+          <p:spPr>
+            <a:xfrm>
+              <a:off x="7111991" y="5571071"/>
+              <a:ext cx="601133" cy="369332"/>
+            </a:xfrm>
+            <a:prstGeom prst="rect">
+              <a:avLst/>
+            </a:prstGeom>
+            <a:noFill/>
+          </p:spPr>
+          <p:txBody>
+            <a:bodyPr wrap="square" rtlCol="0">
+              <a:spAutoFit/>
+            </a:bodyPr>
+            <a:lstStyle/>
+            <a:p>
+              <a:r>
+                <a:rPr lang="en-US" dirty="0" smtClean="0"/>
+                <a:t>WF</a:t>
+              </a:r>
+              <a:endParaRPr lang="en-US" dirty="0"/>
+            </a:p>
+          </p:txBody>
+        </p:sp>
+        <p:sp>
+          <p:nvSpPr>
+            <p:cNvPr id="6" name="TextBox 5"/>
+            <p:cNvSpPr txBox="1"/>
+            <p:nvPr/>
+          </p:nvSpPr>
+          <p:spPr>
+            <a:xfrm>
+              <a:off x="6913022" y="5688001"/>
+              <a:ext cx="601133" cy="369332"/>
+            </a:xfrm>
+            <a:prstGeom prst="rect">
+              <a:avLst/>
+            </a:prstGeom>
+            <a:noFill/>
+          </p:spPr>
+          <p:txBody>
+            <a:bodyPr wrap="square" rtlCol="0">
+              <a:spAutoFit/>
+            </a:bodyPr>
+            <a:lstStyle/>
+            <a:p>
+              <a:r>
+                <a:rPr lang="en-US" dirty="0" smtClean="0"/>
+                <a:t>IA</a:t>
+              </a:r>
+              <a:endParaRPr lang="en-US" dirty="0"/>
+            </a:p>
+          </p:txBody>
+        </p:sp>
+        <p:sp>
+          <p:nvSpPr>
+            <p:cNvPr id="7" name="TextBox 6"/>
+            <p:cNvSpPr txBox="1"/>
+            <p:nvPr/>
+          </p:nvSpPr>
+          <p:spPr>
+            <a:xfrm>
+              <a:off x="7818962" y="3212585"/>
+              <a:ext cx="469906" cy="369332"/>
+            </a:xfrm>
+            <a:prstGeom prst="rect">
+              <a:avLst/>
+            </a:prstGeom>
+            <a:noFill/>
+          </p:spPr>
+          <p:txBody>
+            <a:bodyPr wrap="square" rtlCol="0">
+              <a:spAutoFit/>
+            </a:bodyPr>
+            <a:lstStyle/>
+            <a:p>
+              <a:r>
+                <a:rPr lang="en-US" dirty="0" smtClean="0"/>
+                <a:t>AL</a:t>
+              </a:r>
+              <a:endParaRPr lang="en-US" dirty="0"/>
+            </a:p>
+          </p:txBody>
+        </p:sp>
+        <p:sp>
+          <p:nvSpPr>
+            <p:cNvPr id="8" name="TextBox 7"/>
+            <p:cNvSpPr txBox="1"/>
+            <p:nvPr/>
+          </p:nvSpPr>
+          <p:spPr>
+            <a:xfrm>
+              <a:off x="8254994" y="1683268"/>
+              <a:ext cx="406412" cy="369332"/>
+            </a:xfrm>
+            <a:prstGeom prst="rect">
+              <a:avLst/>
+            </a:prstGeom>
+            <a:noFill/>
+          </p:spPr>
+          <p:txBody>
+            <a:bodyPr wrap="square" rtlCol="0">
+              <a:spAutoFit/>
+            </a:bodyPr>
+            <a:lstStyle/>
+            <a:p>
+              <a:r>
+                <a:rPr lang="en-US" dirty="0" smtClean="0"/>
+                <a:t>IS</a:t>
+              </a:r>
+              <a:endParaRPr lang="en-US" dirty="0"/>
+            </a:p>
+          </p:txBody>
+        </p:sp>
+        <p:sp>
+          <p:nvSpPr>
+            <p:cNvPr id="9" name="TextBox 8"/>
+            <p:cNvSpPr txBox="1"/>
+            <p:nvPr/>
+          </p:nvSpPr>
+          <p:spPr>
+            <a:xfrm>
+              <a:off x="7742765" y="1761093"/>
+              <a:ext cx="546103" cy="369332"/>
+            </a:xfrm>
+            <a:prstGeom prst="rect">
+              <a:avLst/>
+            </a:prstGeom>
+            <a:noFill/>
+          </p:spPr>
+          <p:txBody>
+            <a:bodyPr wrap="square" rtlCol="0">
+              <a:spAutoFit/>
+            </a:bodyPr>
+            <a:lstStyle/>
+            <a:p>
+              <a:r>
+                <a:rPr lang="en-US" dirty="0"/>
+                <a:t>O</a:t>
+              </a:r>
+              <a:r>
+                <a:rPr lang="en-US" dirty="0" smtClean="0"/>
+                <a:t>S</a:t>
+              </a:r>
+              <a:endParaRPr lang="en-US" dirty="0"/>
+            </a:p>
+          </p:txBody>
+        </p:sp>
+        <p:sp>
+          <p:nvSpPr>
+            <p:cNvPr id="14" name="TextBox 13"/>
+            <p:cNvSpPr txBox="1"/>
+            <p:nvPr/>
+          </p:nvSpPr>
+          <p:spPr>
+            <a:xfrm>
+              <a:off x="6760617" y="3397251"/>
+              <a:ext cx="469893" cy="369332"/>
+            </a:xfrm>
+            <a:prstGeom prst="rect">
+              <a:avLst/>
+            </a:prstGeom>
+            <a:noFill/>
+          </p:spPr>
+          <p:txBody>
+            <a:bodyPr wrap="square" rtlCol="0">
+              <a:spAutoFit/>
+            </a:bodyPr>
+            <a:lstStyle/>
+            <a:p>
+              <a:r>
+                <a:rPr lang="en-US" dirty="0" smtClean="0"/>
+                <a:t>IT</a:t>
+              </a:r>
+              <a:endParaRPr lang="en-US" dirty="0"/>
+            </a:p>
+          </p:txBody>
+        </p:sp>
+        <p:sp>
+          <p:nvSpPr>
+            <p:cNvPr id="15" name="TextBox 14"/>
+            <p:cNvSpPr txBox="1"/>
+            <p:nvPr/>
+          </p:nvSpPr>
+          <p:spPr>
+            <a:xfrm>
+              <a:off x="7173370" y="3594127"/>
+              <a:ext cx="469893" cy="369332"/>
+            </a:xfrm>
+            <a:prstGeom prst="rect">
+              <a:avLst/>
+            </a:prstGeom>
+            <a:noFill/>
+          </p:spPr>
+          <p:txBody>
+            <a:bodyPr wrap="square" rtlCol="0">
+              <a:spAutoFit/>
+            </a:bodyPr>
+            <a:lstStyle/>
+            <a:p>
+              <a:r>
+                <a:rPr lang="en-US" dirty="0" smtClean="0"/>
+                <a:t>ID</a:t>
+              </a:r>
+              <a:endParaRPr lang="en-US" dirty="0"/>
+            </a:p>
+          </p:txBody>
+        </p:sp>
+        <p:sp>
+          <p:nvSpPr>
+            <p:cNvPr id="16" name="TextBox 15"/>
+            <p:cNvSpPr txBox="1"/>
+            <p:nvPr/>
+          </p:nvSpPr>
+          <p:spPr>
+            <a:xfrm>
+              <a:off x="7031560" y="4550865"/>
+              <a:ext cx="469893" cy="369332"/>
+            </a:xfrm>
+            <a:prstGeom prst="rect">
+              <a:avLst/>
+            </a:prstGeom>
+            <a:noFill/>
+          </p:spPr>
+          <p:txBody>
+            <a:bodyPr wrap="square" rtlCol="0">
+              <a:spAutoFit/>
+            </a:bodyPr>
+            <a:lstStyle/>
+            <a:p>
+              <a:r>
+                <a:rPr lang="en-US" dirty="0" smtClean="0"/>
+                <a:t>IC</a:t>
+              </a:r>
+              <a:endParaRPr lang="en-US" dirty="0"/>
+            </a:p>
+          </p:txBody>
+        </p:sp>
+      </p:grpSp>
+      <p:sp>
+        <p:nvSpPr>
+          <p:cNvPr id="18" name="Oval 17"/>
+          <p:cNvSpPr/>
+          <p:nvPr/>
+        </p:nvSpPr>
+        <p:spPr>
+          <a:xfrm>
+            <a:off x="6760617" y="3409951"/>
+            <a:ext cx="351374" cy="369332"/>
+          </a:xfrm>
+          <a:prstGeom prst="ellipse">
+            <a:avLst/>
+          </a:prstGeom>
+          <a:noFill/>
+          <a:ln>
+            <a:solidFill>
+              <a:srgbClr val="000000"/>
+            </a:solidFill>
+          </a:ln>
+        </p:spPr>
+        <p:style>
+          <a:lnRef idx="1">
+            <a:schemeClr val="accent1"/>
+          </a:lnRef>
+          <a:fillRef idx="3">
+            <a:schemeClr val="accent1"/>
+          </a:fillRef>
+          <a:effectRef idx="2">
+            <a:schemeClr val="accent1"/>
+          </a:effectRef>
+          <a:fontRef idx="minor">
+            <a:schemeClr val="lt1"/>
+          </a:fontRef>
+        </p:style>
+        <p:txBody>
+          <a:bodyPr rtlCol="0" anchor="ctr"/>
+          <a:lstStyle/>
+          <a:p>
+            <a:pPr algn="ctr"/>
+            <a:endParaRPr lang="en-US"/>
+          </a:p>
+        </p:txBody>
+      </p:sp>
+      <p:sp>
+        <p:nvSpPr>
+          <p:cNvPr id="19" name="Oval 18"/>
+          <p:cNvSpPr/>
+          <p:nvPr/>
+        </p:nvSpPr>
+        <p:spPr>
+          <a:xfrm>
+            <a:off x="7768151" y="1761093"/>
+            <a:ext cx="351374" cy="369332"/>
+          </a:xfrm>
+          <a:prstGeom prst="ellipse">
+            <a:avLst/>
+          </a:prstGeom>
+          <a:noFill/>
+          <a:ln>
+            <a:solidFill>
+              <a:srgbClr val="000000"/>
+            </a:solidFill>
+          </a:ln>
+        </p:spPr>
+        <p:style>
+          <a:lnRef idx="1">
+            <a:schemeClr val="accent1"/>
+          </a:lnRef>
+          <a:fillRef idx="3">
+            <a:schemeClr val="accent1"/>
+          </a:fillRef>
+          <a:effectRef idx="2">
+            <a:schemeClr val="accent1"/>
+          </a:effectRef>
+          <a:fontRef idx="minor">
+            <a:schemeClr val="lt1"/>
+          </a:fontRef>
+        </p:style>
+        <p:txBody>
+          <a:bodyPr rtlCol="0" anchor="ctr"/>
+          <a:lstStyle/>
+          <a:p>
+            <a:pPr algn="ctr"/>
+            <a:endParaRPr lang="en-US"/>
+          </a:p>
+        </p:txBody>
+      </p:sp>
+      <p:sp>
+        <p:nvSpPr>
+          <p:cNvPr id="20" name="Oval 19"/>
+          <p:cNvSpPr/>
+          <p:nvPr/>
+        </p:nvSpPr>
+        <p:spPr>
+          <a:xfrm>
+            <a:off x="7175479" y="3600450"/>
+            <a:ext cx="351374" cy="369332"/>
+          </a:xfrm>
+          <a:prstGeom prst="ellipse">
+            <a:avLst/>
+          </a:prstGeom>
+          <a:noFill/>
+          <a:ln>
+            <a:solidFill>
+              <a:srgbClr val="000000"/>
+            </a:solidFill>
+          </a:ln>
+        </p:spPr>
+        <p:style>
+          <a:lnRef idx="1">
+            <a:schemeClr val="accent1"/>
+          </a:lnRef>
+          <a:fillRef idx="3">
+            <a:schemeClr val="accent1"/>
+          </a:fillRef>
+          <a:effectRef idx="2">
+            <a:schemeClr val="accent1"/>
+          </a:effectRef>
+          <a:fontRef idx="minor">
+            <a:schemeClr val="lt1"/>
+          </a:fontRef>
+        </p:style>
+        <p:txBody>
+          <a:bodyPr rtlCol="0" anchor="ctr"/>
+          <a:lstStyle/>
+          <a:p>
+            <a:pPr algn="ctr"/>
+            <a:endParaRPr lang="en-US"/>
+          </a:p>
+        </p:txBody>
+      </p:sp>
+      <p:sp>
+        <p:nvSpPr>
+          <p:cNvPr id="21" name="Oval 20"/>
+          <p:cNvSpPr/>
+          <p:nvPr/>
+        </p:nvSpPr>
+        <p:spPr>
+          <a:xfrm>
+            <a:off x="6889730" y="5688001"/>
+            <a:ext cx="351374" cy="369332"/>
+          </a:xfrm>
+          <a:prstGeom prst="ellipse">
+            <a:avLst/>
+          </a:prstGeom>
+          <a:noFill/>
+          <a:ln>
+            <a:solidFill>
+              <a:srgbClr val="000000"/>
+            </a:solidFill>
+          </a:ln>
+        </p:spPr>
+        <p:style>
+          <a:lnRef idx="1">
+            <a:schemeClr val="accent1"/>
+          </a:lnRef>
+          <a:fillRef idx="3">
+            <a:schemeClr val="accent1"/>
+          </a:fillRef>
+          <a:effectRef idx="2">
+            <a:schemeClr val="accent1"/>
+          </a:effectRef>
+          <a:fontRef idx="minor">
+            <a:schemeClr val="lt1"/>
+          </a:fontRef>
+        </p:style>
+        <p:txBody>
+          <a:bodyPr rtlCol="0" anchor="ctr"/>
+          <a:lstStyle/>
+          <a:p>
+            <a:pPr algn="ctr"/>
+            <a:endParaRPr lang="en-US"/>
+          </a:p>
+        </p:txBody>
+      </p:sp>
+    </p:spTree>
+    <p:extLst>
+      <p:ext uri="{BB962C8B-B14F-4D97-AF65-F5344CB8AC3E}">
+        <p14:creationId xmlns:p14="http://schemas.microsoft.com/office/powerpoint/2010/main" val="1037632316"/>
       </p:ext>
     </p:extLst>
   </p:cSld>
